--- a/Css & Bootstrap/Front-End.pptx
+++ b/Css & Bootstrap/Front-End.pptx
@@ -301,7 +301,7 @@
           <a:p>
             <a:fld id="{01625263-A7A4-4F01-821B-00FD4FD4CB08}" type="datetimeFigureOut">
               <a:rPr lang="en-US" smtClean="0"/>
-              <a:t>1/31/2026</a:t>
+              <a:t>2/10/2026</a:t>
             </a:fld>
             <a:endParaRPr lang="en-US"/>
           </a:p>
@@ -599,7 +599,7 @@
           <a:p>
             <a:fld id="{01625263-A7A4-4F01-821B-00FD4FD4CB08}" type="datetimeFigureOut">
               <a:rPr lang="en-US" smtClean="0"/>
-              <a:t>1/31/2026</a:t>
+              <a:t>2/10/2026</a:t>
             </a:fld>
             <a:endParaRPr lang="en-US"/>
           </a:p>
@@ -791,7 +791,7 @@
           <a:p>
             <a:fld id="{01625263-A7A4-4F01-821B-00FD4FD4CB08}" type="datetimeFigureOut">
               <a:rPr lang="en-US" smtClean="0"/>
-              <a:t>1/31/2026</a:t>
+              <a:t>2/10/2026</a:t>
             </a:fld>
             <a:endParaRPr lang="en-US"/>
           </a:p>
@@ -1052,7 +1052,7 @@
           <a:p>
             <a:fld id="{01625263-A7A4-4F01-821B-00FD4FD4CB08}" type="datetimeFigureOut">
               <a:rPr lang="en-US" smtClean="0"/>
-              <a:t>1/31/2026</a:t>
+              <a:t>2/10/2026</a:t>
             </a:fld>
             <a:endParaRPr lang="en-US"/>
           </a:p>
@@ -1476,7 +1476,7 @@
           <a:p>
             <a:fld id="{01625263-A7A4-4F01-821B-00FD4FD4CB08}" type="datetimeFigureOut">
               <a:rPr lang="en-US" smtClean="0"/>
-              <a:t>1/31/2026</a:t>
+              <a:t>2/10/2026</a:t>
             </a:fld>
             <a:endParaRPr lang="en-US"/>
           </a:p>
@@ -2013,7 +2013,7 @@
           <a:p>
             <a:fld id="{01625263-A7A4-4F01-821B-00FD4FD4CB08}" type="datetimeFigureOut">
               <a:rPr lang="en-US" smtClean="0"/>
-              <a:t>1/31/2026</a:t>
+              <a:t>2/10/2026</a:t>
             </a:fld>
             <a:endParaRPr lang="en-US"/>
           </a:p>
@@ -2877,7 +2877,7 @@
           <a:p>
             <a:fld id="{01625263-A7A4-4F01-821B-00FD4FD4CB08}" type="datetimeFigureOut">
               <a:rPr lang="en-US" smtClean="0"/>
-              <a:t>1/31/2026</a:t>
+              <a:t>2/10/2026</a:t>
             </a:fld>
             <a:endParaRPr lang="en-US"/>
           </a:p>
@@ -3047,7 +3047,7 @@
           <a:p>
             <a:fld id="{01625263-A7A4-4F01-821B-00FD4FD4CB08}" type="datetimeFigureOut">
               <a:rPr lang="en-US" smtClean="0"/>
-              <a:t>1/31/2026</a:t>
+              <a:t>2/10/2026</a:t>
             </a:fld>
             <a:endParaRPr lang="en-US"/>
           </a:p>
@@ -3231,7 +3231,7 @@
           <a:p>
             <a:fld id="{01625263-A7A4-4F01-821B-00FD4FD4CB08}" type="datetimeFigureOut">
               <a:rPr lang="en-US" smtClean="0"/>
-              <a:t>1/31/2026</a:t>
+              <a:t>2/10/2026</a:t>
             </a:fld>
             <a:endParaRPr lang="en-US"/>
           </a:p>
@@ -3401,7 +3401,7 @@
           <a:p>
             <a:fld id="{01625263-A7A4-4F01-821B-00FD4FD4CB08}" type="datetimeFigureOut">
               <a:rPr lang="en-US" smtClean="0"/>
-              <a:t>1/31/2026</a:t>
+              <a:t>2/10/2026</a:t>
             </a:fld>
             <a:endParaRPr lang="en-US"/>
           </a:p>
@@ -3645,7 +3645,7 @@
           <a:p>
             <a:fld id="{01625263-A7A4-4F01-821B-00FD4FD4CB08}" type="datetimeFigureOut">
               <a:rPr lang="en-US" smtClean="0"/>
-              <a:t>1/31/2026</a:t>
+              <a:t>2/10/2026</a:t>
             </a:fld>
             <a:endParaRPr lang="en-US"/>
           </a:p>
@@ -3881,7 +3881,7 @@
           <a:p>
             <a:fld id="{01625263-A7A4-4F01-821B-00FD4FD4CB08}" type="datetimeFigureOut">
               <a:rPr lang="en-US" smtClean="0"/>
-              <a:t>1/31/2026</a:t>
+              <a:t>2/10/2026</a:t>
             </a:fld>
             <a:endParaRPr lang="en-US"/>
           </a:p>
@@ -4347,7 +4347,7 @@
           <a:p>
             <a:fld id="{01625263-A7A4-4F01-821B-00FD4FD4CB08}" type="datetimeFigureOut">
               <a:rPr lang="en-US" smtClean="0"/>
-              <a:t>1/31/2026</a:t>
+              <a:t>2/10/2026</a:t>
             </a:fld>
             <a:endParaRPr lang="en-US"/>
           </a:p>
@@ -4465,7 +4465,7 @@
           <a:p>
             <a:fld id="{01625263-A7A4-4F01-821B-00FD4FD4CB08}" type="datetimeFigureOut">
               <a:rPr lang="en-US" smtClean="0"/>
-              <a:t>1/31/2026</a:t>
+              <a:t>2/10/2026</a:t>
             </a:fld>
             <a:endParaRPr lang="en-US"/>
           </a:p>
@@ -4560,7 +4560,7 @@
           <a:p>
             <a:fld id="{01625263-A7A4-4F01-821B-00FD4FD4CB08}" type="datetimeFigureOut">
               <a:rPr lang="en-US" smtClean="0"/>
-              <a:t>1/31/2026</a:t>
+              <a:t>2/10/2026</a:t>
             </a:fld>
             <a:endParaRPr lang="en-US"/>
           </a:p>
@@ -4815,7 +4815,7 @@
           <a:p>
             <a:fld id="{01625263-A7A4-4F01-821B-00FD4FD4CB08}" type="datetimeFigureOut">
               <a:rPr lang="en-US" smtClean="0"/>
-              <a:t>1/31/2026</a:t>
+              <a:t>2/10/2026</a:t>
             </a:fld>
             <a:endParaRPr lang="en-US"/>
           </a:p>
@@ -5115,7 +5115,7 @@
           <a:p>
             <a:fld id="{01625263-A7A4-4F01-821B-00FD4FD4CB08}" type="datetimeFigureOut">
               <a:rPr lang="en-US" smtClean="0"/>
-              <a:t>1/31/2026</a:t>
+              <a:t>2/10/2026</a:t>
             </a:fld>
             <a:endParaRPr lang="en-US"/>
           </a:p>
@@ -5349,7 +5349,7 @@
           <a:p>
             <a:fld id="{01625263-A7A4-4F01-821B-00FD4FD4CB08}" type="datetimeFigureOut">
               <a:rPr lang="en-US" smtClean="0"/>
-              <a:t>1/31/2026</a:t>
+              <a:t>2/10/2026</a:t>
             </a:fld>
             <a:endParaRPr lang="en-US"/>
           </a:p>
